--- a/LectureSlides/07Types.pptx
+++ b/LectureSlides/07Types.pptx
@@ -12194,6 +12194,184 @@
           </a:p>
         </p:txBody>
       </p:sp>
+      <p:sp>
+        <p:nvSpPr>
+          <p:cNvPr id="6" name="TextBox 5">
+            <a:extLst>
+              <a:ext uri="{FF2B5EF4-FFF2-40B4-BE49-F238E27FC236}">
+                <a16:creationId xmlns:a16="http://schemas.microsoft.com/office/drawing/2014/main" id="{8F1269F9-2102-1F51-D21D-950CB71AC3F5}"/>
+              </a:ext>
+            </a:extLst>
+          </p:cNvPr>
+          <p:cNvSpPr txBox="1"/>
+          <p:nvPr/>
+        </p:nvSpPr>
+        <p:spPr>
+          <a:xfrm>
+            <a:off x="8024260" y="2809418"/>
+            <a:ext cx="3607358" cy="2862322"/>
+          </a:xfrm>
+          <a:prstGeom prst="rect">
+            <a:avLst/>
+          </a:prstGeom>
+          <a:noFill/>
+        </p:spPr>
+        <p:txBody>
+          <a:bodyPr wrap="square" rtlCol="0">
+            <a:spAutoFit/>
+          </a:bodyPr>
+          <a:lstStyle/>
+          <a:p>
+            <a:r>
+              <a:rPr lang="en-US" sz="2800" dirty="0"/>
+              <a:t>Examples:</a:t>
+            </a:r>
+          </a:p>
+          <a:p>
+            <a:r>
+              <a:rPr lang="en-US" sz="2000" b="0" i="1" dirty="0">
+                <a:solidFill>
+                  <a:srgbClr val="000000"/>
+                </a:solidFill>
+                <a:effectLst/>
+                <a:latin typeface="Noto Serif" panose="02020600060500020200" pitchFamily="18" charset="0"/>
+              </a:rPr>
+              <a:t>              </a:t>
+            </a:r>
+            <a:r>
+              <a:rPr lang="el-GR" sz="2000" b="0" i="1" dirty="0">
+                <a:solidFill>
+                  <a:srgbClr val="000000"/>
+                </a:solidFill>
+                <a:effectLst/>
+                <a:latin typeface="Noto Serif" panose="02020600060500020200" pitchFamily="18" charset="0"/>
+              </a:rPr>
+              <a:t>·</a:t>
+            </a:r>
+            <a:r>
+              <a:rPr lang="en-US" sz="2000" b="0" i="1" dirty="0">
+                <a:solidFill>
+                  <a:srgbClr val="000000"/>
+                </a:solidFill>
+                <a:effectLst/>
+                <a:latin typeface="Noto Serif" panose="02020600060500020200" pitchFamily="18" charset="0"/>
+              </a:rPr>
+              <a:t> </a:t>
+            </a:r>
+            <a:r>
+              <a:rPr lang="el-GR" sz="2000" dirty="0"/>
+              <a:t>⊢</a:t>
+            </a:r>
+            <a:r>
+              <a:rPr lang="en-US" sz="2000" dirty="0"/>
+              <a:t> 5 : num</a:t>
+            </a:r>
+          </a:p>
+          <a:p>
+            <a:r>
+              <a:rPr lang="en-US" sz="2000" dirty="0">
+                <a:solidFill>
+                  <a:srgbClr val="000000"/>
+                </a:solidFill>
+                <a:latin typeface="Noto Serif" panose="02020600060500020200" pitchFamily="18" charset="0"/>
+              </a:rPr>
+              <a:t>(x: bool)</a:t>
+            </a:r>
+            <a:r>
+              <a:rPr lang="en-US" sz="2000" b="0" i="1" dirty="0">
+                <a:solidFill>
+                  <a:srgbClr val="000000"/>
+                </a:solidFill>
+                <a:effectLst/>
+                <a:latin typeface="Noto Serif" panose="02020600060500020200" pitchFamily="18" charset="0"/>
+              </a:rPr>
+              <a:t> </a:t>
+            </a:r>
+            <a:r>
+              <a:rPr lang="el-GR" sz="2000" dirty="0"/>
+              <a:t>⊢</a:t>
+            </a:r>
+            <a:r>
+              <a:rPr lang="en-US" sz="2000" dirty="0"/>
+              <a:t> 5 : num</a:t>
+            </a:r>
+          </a:p>
+          <a:p>
+            <a:r>
+              <a:rPr lang="en-US" sz="2000" dirty="0">
+                <a:solidFill>
+                  <a:srgbClr val="000000"/>
+                </a:solidFill>
+                <a:latin typeface="Noto Serif" panose="02020600060500020200" pitchFamily="18" charset="0"/>
+              </a:rPr>
+              <a:t>(z: num)</a:t>
+            </a:r>
+            <a:r>
+              <a:rPr lang="en-US" sz="2000" b="0" i="1" dirty="0">
+                <a:solidFill>
+                  <a:srgbClr val="000000"/>
+                </a:solidFill>
+                <a:effectLst/>
+                <a:latin typeface="Noto Serif" panose="02020600060500020200" pitchFamily="18" charset="0"/>
+              </a:rPr>
+              <a:t> </a:t>
+            </a:r>
+            <a:r>
+              <a:rPr lang="el-GR" sz="2000" dirty="0"/>
+              <a:t>⊢</a:t>
+            </a:r>
+            <a:r>
+              <a:rPr lang="en-US" sz="2000" dirty="0"/>
+              <a:t> true : bool</a:t>
+            </a:r>
+          </a:p>
+          <a:p>
+            <a:r>
+              <a:rPr lang="en-US" sz="2000" dirty="0">
+                <a:solidFill>
+                  <a:srgbClr val="000000"/>
+                </a:solidFill>
+                <a:latin typeface="Noto Serif" panose="02020600060500020200" pitchFamily="18" charset="0"/>
+              </a:rPr>
+              <a:t>(y: unit)</a:t>
+            </a:r>
+            <a:r>
+              <a:rPr lang="en-US" sz="2000" b="0" i="1" dirty="0">
+                <a:solidFill>
+                  <a:srgbClr val="000000"/>
+                </a:solidFill>
+                <a:effectLst/>
+                <a:latin typeface="Noto Serif" panose="02020600060500020200" pitchFamily="18" charset="0"/>
+              </a:rPr>
+              <a:t>  </a:t>
+            </a:r>
+            <a:r>
+              <a:rPr lang="el-GR" sz="2000" dirty="0"/>
+              <a:t>⊢</a:t>
+            </a:r>
+            <a:r>
+              <a:rPr lang="en-US" sz="2000" dirty="0"/>
+              <a:t> () : unit</a:t>
+            </a:r>
+          </a:p>
+          <a:p>
+            <a:endParaRPr lang="en-US" dirty="0"/>
+          </a:p>
+          <a:p>
+            <a:endParaRPr lang="en-US" dirty="0"/>
+          </a:p>
+          <a:p>
+            <a:endParaRPr lang="en-US" dirty="0"/>
+          </a:p>
+          <a:p>
+            <a:pPr marL="285750" indent="-285750">
+              <a:buFont typeface="Arial" panose="020B0604020202020204" pitchFamily="34" charset="0"/>
+              <a:buChar char="•"/>
+            </a:pPr>
+            <a:endParaRPr lang="en-US" dirty="0"/>
+          </a:p>
+        </p:txBody>
+      </p:sp>
     </p:spTree>
     <p:extLst>
       <p:ext uri="{BB962C8B-B14F-4D97-AF65-F5344CB8AC3E}">
@@ -13099,7 +13277,7 @@
         </p:nvSpPr>
         <p:spPr>
           <a:xfrm>
-            <a:off x="1097280" y="3850105"/>
+            <a:off x="981777" y="5782363"/>
             <a:ext cx="9769642" cy="523220"/>
           </a:xfrm>
           <a:prstGeom prst="rect">
@@ -13159,6 +13337,157 @@
               <a:t>32</a:t>
             </a:fld>
             <a:endParaRPr lang="en-US"/>
+          </a:p>
+        </p:txBody>
+      </p:sp>
+      <p:sp>
+        <p:nvSpPr>
+          <p:cNvPr id="11" name="TextBox 10">
+            <a:extLst>
+              <a:ext uri="{FF2B5EF4-FFF2-40B4-BE49-F238E27FC236}">
+                <a16:creationId xmlns:a16="http://schemas.microsoft.com/office/drawing/2014/main" id="{3F2137F8-94AB-207C-D17E-B2877C3ACAE5}"/>
+              </a:ext>
+            </a:extLst>
+          </p:cNvPr>
+          <p:cNvSpPr txBox="1"/>
+          <p:nvPr/>
+        </p:nvSpPr>
+        <p:spPr>
+          <a:xfrm>
+            <a:off x="2366069" y="3949178"/>
+            <a:ext cx="5712805" cy="2554545"/>
+          </a:xfrm>
+          <a:prstGeom prst="rect">
+            <a:avLst/>
+          </a:prstGeom>
+          <a:noFill/>
+        </p:spPr>
+        <p:txBody>
+          <a:bodyPr wrap="square" rtlCol="0">
+            <a:spAutoFit/>
+          </a:bodyPr>
+          <a:lstStyle/>
+          <a:p>
+            <a:r>
+              <a:rPr lang="en-US" sz="2800" b="1" dirty="0"/>
+              <a:t>Examples:</a:t>
+            </a:r>
+          </a:p>
+          <a:p>
+            <a:r>
+              <a:rPr lang="en-US" sz="2000" dirty="0">
+                <a:solidFill>
+                  <a:srgbClr val="000000"/>
+                </a:solidFill>
+                <a:latin typeface="Noto Serif" panose="02020600060500020200" pitchFamily="18" charset="0"/>
+              </a:rPr>
+              <a:t>(x: bool, y : unit, z : num)</a:t>
+            </a:r>
+            <a:r>
+              <a:rPr lang="en-US" sz="2000" b="0" i="1" dirty="0">
+                <a:solidFill>
+                  <a:srgbClr val="000000"/>
+                </a:solidFill>
+                <a:effectLst/>
+                <a:latin typeface="Noto Serif" panose="02020600060500020200" pitchFamily="18" charset="0"/>
+              </a:rPr>
+              <a:t> </a:t>
+            </a:r>
+            <a:r>
+              <a:rPr lang="el-GR" sz="2000" dirty="0"/>
+              <a:t>⊢</a:t>
+            </a:r>
+            <a:r>
+              <a:rPr lang="en-US" sz="2000" dirty="0"/>
+              <a:t> x : bool</a:t>
+            </a:r>
+          </a:p>
+          <a:p>
+            <a:r>
+              <a:rPr lang="en-US" sz="2000" dirty="0">
+                <a:solidFill>
+                  <a:srgbClr val="000000"/>
+                </a:solidFill>
+                <a:latin typeface="Noto Serif" panose="02020600060500020200" pitchFamily="18" charset="0"/>
+              </a:rPr>
+              <a:t>(z: num, y : bool)</a:t>
+            </a:r>
+            <a:r>
+              <a:rPr lang="en-US" sz="2000" b="0" i="1" dirty="0">
+                <a:solidFill>
+                  <a:srgbClr val="000000"/>
+                </a:solidFill>
+                <a:effectLst/>
+                <a:latin typeface="Noto Serif" panose="02020600060500020200" pitchFamily="18" charset="0"/>
+              </a:rPr>
+              <a:t>                </a:t>
+            </a:r>
+            <a:r>
+              <a:rPr lang="el-GR" sz="2000" dirty="0"/>
+              <a:t>⊢</a:t>
+            </a:r>
+            <a:r>
+              <a:rPr lang="en-US" sz="2000" dirty="0"/>
+              <a:t> z * 3 : num</a:t>
+            </a:r>
+          </a:p>
+          <a:p>
+            <a:r>
+              <a:rPr lang="en-US" sz="2000" dirty="0">
+                <a:solidFill>
+                  <a:srgbClr val="000000"/>
+                </a:solidFill>
+                <a:latin typeface="Noto Serif" panose="02020600060500020200" pitchFamily="18" charset="0"/>
+              </a:rPr>
+              <a:t>(g: bool </a:t>
+            </a:r>
+            <a:r>
+              <a:rPr lang="en-US" sz="2000" dirty="0"/>
+              <a:t>→ num</a:t>
+            </a:r>
+            <a:r>
+              <a:rPr lang="en-US" sz="2000" dirty="0">
+                <a:solidFill>
+                  <a:srgbClr val="000000"/>
+                </a:solidFill>
+                <a:latin typeface="Noto Serif" panose="02020600060500020200" pitchFamily="18" charset="0"/>
+              </a:rPr>
+              <a:t>)</a:t>
+            </a:r>
+            <a:r>
+              <a:rPr lang="en-US" sz="2000" b="0" i="1" dirty="0">
+                <a:solidFill>
+                  <a:srgbClr val="000000"/>
+                </a:solidFill>
+                <a:effectLst/>
+                <a:latin typeface="Noto Serif" panose="02020600060500020200" pitchFamily="18" charset="0"/>
+              </a:rPr>
+              <a:t>                   </a:t>
+            </a:r>
+            <a:r>
+              <a:rPr lang="el-GR" sz="2000" dirty="0"/>
+              <a:t>⊢</a:t>
+            </a:r>
+            <a:r>
+              <a:rPr lang="en-US" sz="2000" dirty="0"/>
+              <a:t> f(true) :num</a:t>
+            </a:r>
+          </a:p>
+          <a:p>
+            <a:endParaRPr lang="en-US" dirty="0"/>
+          </a:p>
+          <a:p>
+            <a:endParaRPr lang="en-US" dirty="0"/>
+          </a:p>
+          <a:p>
+            <a:endParaRPr lang="en-US" dirty="0"/>
+          </a:p>
+          <a:p>
+            <a:pPr marL="285750" indent="-285750">
+              <a:buFont typeface="Arial" panose="020B0604020202020204" pitchFamily="34" charset="0"/>
+              <a:buChar char="•"/>
+            </a:pPr>
+            <a:endParaRPr lang="en-US" dirty="0"/>
           </a:p>
         </p:txBody>
       </p:sp>
@@ -13289,7 +13618,7 @@
             </a:r>
             <a:r>
               <a:rPr lang="en-US" dirty="0"/>
-              <a:t>e1;e2 : t2</a:t>
+              <a:t>(e1;e2) : t2</a:t>
             </a:r>
             <a:br>
               <a:rPr lang="en-US" dirty="0"/>
@@ -13719,6 +14048,115 @@
               <a:t>33</a:t>
             </a:fld>
             <a:endParaRPr lang="en-US"/>
+          </a:p>
+        </p:txBody>
+      </p:sp>
+      <p:sp>
+        <p:nvSpPr>
+          <p:cNvPr id="6" name="TextBox 5">
+            <a:extLst>
+              <a:ext uri="{FF2B5EF4-FFF2-40B4-BE49-F238E27FC236}">
+                <a16:creationId xmlns:a16="http://schemas.microsoft.com/office/drawing/2014/main" id="{6D2A9E12-5AE3-1360-5B57-AB0CA23961C1}"/>
+              </a:ext>
+            </a:extLst>
+          </p:cNvPr>
+          <p:cNvSpPr txBox="1"/>
+          <p:nvPr/>
+        </p:nvSpPr>
+        <p:spPr>
+          <a:xfrm>
+            <a:off x="1145406" y="3816416"/>
+            <a:ext cx="5712805" cy="2246769"/>
+          </a:xfrm>
+          <a:prstGeom prst="rect">
+            <a:avLst/>
+          </a:prstGeom>
+          <a:noFill/>
+        </p:spPr>
+        <p:txBody>
+          <a:bodyPr wrap="square" rtlCol="0">
+            <a:spAutoFit/>
+          </a:bodyPr>
+          <a:lstStyle/>
+          <a:p>
+            <a:r>
+              <a:rPr lang="en-US" sz="2800" b="1" dirty="0"/>
+              <a:t>Examples:</a:t>
+            </a:r>
+          </a:p>
+          <a:p>
+            <a:r>
+              <a:rPr lang="en-US" sz="2000" dirty="0">
+                <a:solidFill>
+                  <a:srgbClr val="000000"/>
+                </a:solidFill>
+                <a:latin typeface="Noto Serif" panose="02020600060500020200" pitchFamily="18" charset="0"/>
+              </a:rPr>
+              <a:t>(x: bool, y : unit, z : num)</a:t>
+            </a:r>
+            <a:r>
+              <a:rPr lang="en-US" sz="2000" b="0" i="1" dirty="0">
+                <a:solidFill>
+                  <a:srgbClr val="000000"/>
+                </a:solidFill>
+                <a:effectLst/>
+                <a:latin typeface="Noto Serif" panose="02020600060500020200" pitchFamily="18" charset="0"/>
+              </a:rPr>
+              <a:t> </a:t>
+            </a:r>
+            <a:r>
+              <a:rPr lang="el-GR" sz="2000" dirty="0"/>
+              <a:t>⊢</a:t>
+            </a:r>
+            <a:r>
+              <a:rPr lang="en-US" sz="2000" dirty="0"/>
+              <a:t> (x; z) : num</a:t>
+            </a:r>
+          </a:p>
+          <a:p>
+            <a:r>
+              <a:rPr lang="en-US" sz="2000" dirty="0">
+                <a:solidFill>
+                  <a:srgbClr val="000000"/>
+                </a:solidFill>
+                <a:latin typeface="Noto Serif" panose="02020600060500020200" pitchFamily="18" charset="0"/>
+              </a:rPr>
+              <a:t>(z: num, y : bool)</a:t>
+            </a:r>
+            <a:r>
+              <a:rPr lang="en-US" sz="2000" b="0" i="1" dirty="0">
+                <a:solidFill>
+                  <a:srgbClr val="000000"/>
+                </a:solidFill>
+                <a:effectLst/>
+                <a:latin typeface="Noto Serif" panose="02020600060500020200" pitchFamily="18" charset="0"/>
+              </a:rPr>
+              <a:t>                </a:t>
+            </a:r>
+            <a:r>
+              <a:rPr lang="el-GR" sz="2000" dirty="0"/>
+              <a:t>⊢</a:t>
+            </a:r>
+            <a:r>
+              <a:rPr lang="en-US" sz="2000" dirty="0"/>
+              <a:t> z := z + 3 : num</a:t>
+            </a:r>
+          </a:p>
+          <a:p>
+            <a:endParaRPr lang="en-US" dirty="0"/>
+          </a:p>
+          <a:p>
+            <a:endParaRPr lang="en-US" dirty="0"/>
+          </a:p>
+          <a:p>
+            <a:endParaRPr lang="en-US" dirty="0"/>
+          </a:p>
+          <a:p>
+            <a:pPr marL="285750" indent="-285750">
+              <a:buFont typeface="Arial" panose="020B0604020202020204" pitchFamily="34" charset="0"/>
+              <a:buChar char="•"/>
+            </a:pPr>
+            <a:endParaRPr lang="en-US" dirty="0"/>
           </a:p>
         </p:txBody>
       </p:sp>
@@ -14315,6 +14753,7 @@
           <a:prstGeom prst="line">
             <a:avLst/>
           </a:prstGeom>
+          <a:ln w="38100"/>
         </p:spPr>
         <p:style>
           <a:lnRef idx="1">
@@ -14351,6 +14790,7 @@
           <a:prstGeom prst="line">
             <a:avLst/>
           </a:prstGeom>
+          <a:ln w="38100"/>
         </p:spPr>
         <p:style>
           <a:lnRef idx="1">
@@ -14389,6 +14829,7 @@
           <a:prstGeom prst="line">
             <a:avLst/>
           </a:prstGeom>
+          <a:ln w="38100"/>
         </p:spPr>
         <p:style>
           <a:lnRef idx="1">
@@ -14427,6 +14868,7 @@
           <a:prstGeom prst="line">
             <a:avLst/>
           </a:prstGeom>
+          <a:ln w="38100"/>
         </p:spPr>
         <p:style>
           <a:lnRef idx="1">
@@ -14469,6 +14911,123 @@
               <a:t>34</a:t>
             </a:fld>
             <a:endParaRPr lang="en-US"/>
+          </a:p>
+        </p:txBody>
+      </p:sp>
+      <p:sp>
+        <p:nvSpPr>
+          <p:cNvPr id="6" name="TextBox 5">
+            <a:extLst>
+              <a:ext uri="{FF2B5EF4-FFF2-40B4-BE49-F238E27FC236}">
+                <a16:creationId xmlns:a16="http://schemas.microsoft.com/office/drawing/2014/main" id="{A4A69546-F778-8605-53E4-231C62D74EF0}"/>
+              </a:ext>
+            </a:extLst>
+          </p:cNvPr>
+          <p:cNvSpPr txBox="1"/>
+          <p:nvPr/>
+        </p:nvSpPr>
+        <p:spPr>
+          <a:xfrm>
+            <a:off x="4893548" y="3752612"/>
+            <a:ext cx="7486022" cy="2246769"/>
+          </a:xfrm>
+          <a:prstGeom prst="rect">
+            <a:avLst/>
+          </a:prstGeom>
+          <a:noFill/>
+        </p:spPr>
+        <p:txBody>
+          <a:bodyPr wrap="square" rtlCol="0">
+            <a:spAutoFit/>
+          </a:bodyPr>
+          <a:lstStyle/>
+          <a:p>
+            <a:r>
+              <a:rPr lang="en-US" sz="2800" b="1" dirty="0"/>
+              <a:t>Examples:</a:t>
+            </a:r>
+          </a:p>
+          <a:p>
+            <a:r>
+              <a:rPr lang="en-US" sz="2000" dirty="0">
+                <a:solidFill>
+                  <a:srgbClr val="000000"/>
+                </a:solidFill>
+                <a:latin typeface="Noto Serif" panose="02020600060500020200" pitchFamily="18" charset="0"/>
+              </a:rPr>
+              <a:t>(x: bool, y : num, z : num)</a:t>
+            </a:r>
+            <a:r>
+              <a:rPr lang="en-US" sz="2000" b="0" i="1" dirty="0">
+                <a:solidFill>
+                  <a:srgbClr val="000000"/>
+                </a:solidFill>
+                <a:effectLst/>
+                <a:latin typeface="Noto Serif" panose="02020600060500020200" pitchFamily="18" charset="0"/>
+              </a:rPr>
+              <a:t> </a:t>
+            </a:r>
+            <a:r>
+              <a:rPr lang="el-GR" sz="2000" dirty="0"/>
+              <a:t>⊢</a:t>
+            </a:r>
+            <a:r>
+              <a:rPr lang="en-US" sz="2000" dirty="0"/>
+              <a:t> if x { y } else { z } : num</a:t>
+            </a:r>
+          </a:p>
+          <a:p>
+            <a:r>
+              <a:rPr lang="en-US" sz="2000" dirty="0">
+                <a:solidFill>
+                  <a:srgbClr val="000000"/>
+                </a:solidFill>
+                <a:latin typeface="Noto Serif" panose="02020600060500020200" pitchFamily="18" charset="0"/>
+              </a:rPr>
+              <a:t>(z: num, y : num)</a:t>
+            </a:r>
+            <a:r>
+              <a:rPr lang="en-US" sz="2000" b="0" i="1" dirty="0">
+                <a:solidFill>
+                  <a:srgbClr val="000000"/>
+                </a:solidFill>
+                <a:effectLst/>
+                <a:latin typeface="Noto Serif" panose="02020600060500020200" pitchFamily="18" charset="0"/>
+              </a:rPr>
+              <a:t>                </a:t>
+            </a:r>
+            <a:r>
+              <a:rPr lang="el-GR" sz="2000" dirty="0"/>
+              <a:t>⊢</a:t>
+            </a:r>
+            <a:r>
+              <a:rPr lang="en-US" sz="2000" dirty="0"/>
+              <a:t> while z &gt; 0 { y := </a:t>
+            </a:r>
+            <a:r>
+              <a:rPr lang="en-US" sz="2000" dirty="0" err="1"/>
+              <a:t>y+z</a:t>
+            </a:r>
+            <a:r>
+              <a:rPr lang="en-US" sz="2000" dirty="0"/>
+              <a:t>; z := z–1} : unit</a:t>
+            </a:r>
+          </a:p>
+          <a:p>
+            <a:endParaRPr lang="en-US" dirty="0"/>
+          </a:p>
+          <a:p>
+            <a:endParaRPr lang="en-US" dirty="0"/>
+          </a:p>
+          <a:p>
+            <a:endParaRPr lang="en-US" dirty="0"/>
+          </a:p>
+          <a:p>
+            <a:pPr marL="285750" indent="-285750">
+              <a:buFont typeface="Arial" panose="020B0604020202020204" pitchFamily="34" charset="0"/>
+              <a:buChar char="•"/>
+            </a:pPr>
+            <a:endParaRPr lang="en-US" dirty="0"/>
           </a:p>
         </p:txBody>
       </p:sp>
@@ -15950,6 +16509,129 @@
               <a:t>36</a:t>
             </a:fld>
             <a:endParaRPr lang="en-US"/>
+          </a:p>
+        </p:txBody>
+      </p:sp>
+      <p:sp>
+        <p:nvSpPr>
+          <p:cNvPr id="4" name="TextBox 3">
+            <a:extLst>
+              <a:ext uri="{FF2B5EF4-FFF2-40B4-BE49-F238E27FC236}">
+                <a16:creationId xmlns:a16="http://schemas.microsoft.com/office/drawing/2014/main" id="{C7EAA036-762D-F8E4-38FE-1B69A9EBE6AE}"/>
+              </a:ext>
+            </a:extLst>
+          </p:cNvPr>
+          <p:cNvSpPr txBox="1"/>
+          <p:nvPr/>
+        </p:nvSpPr>
+        <p:spPr>
+          <a:xfrm>
+            <a:off x="4391653" y="5050715"/>
+            <a:ext cx="7486022" cy="1969770"/>
+          </a:xfrm>
+          <a:prstGeom prst="rect">
+            <a:avLst/>
+          </a:prstGeom>
+          <a:noFill/>
+        </p:spPr>
+        <p:txBody>
+          <a:bodyPr wrap="square" rtlCol="0">
+            <a:spAutoFit/>
+          </a:bodyPr>
+          <a:lstStyle/>
+          <a:p>
+            <a:r>
+              <a:rPr lang="en-US" sz="2800" b="1" dirty="0"/>
+              <a:t>Examples:</a:t>
+            </a:r>
+          </a:p>
+          <a:p>
+            <a:r>
+              <a:rPr lang="en-US" sz="2000" dirty="0">
+                <a:solidFill>
+                  <a:srgbClr val="000000"/>
+                </a:solidFill>
+                <a:latin typeface="Noto Serif" panose="02020600060500020200" pitchFamily="18" charset="0"/>
+              </a:rPr>
+              <a:t>(x: bool)</a:t>
+            </a:r>
+            <a:r>
+              <a:rPr lang="en-US" sz="2000" b="0" i="1" dirty="0">
+                <a:solidFill>
+                  <a:srgbClr val="000000"/>
+                </a:solidFill>
+                <a:effectLst/>
+                <a:latin typeface="Noto Serif" panose="02020600060500020200" pitchFamily="18" charset="0"/>
+              </a:rPr>
+              <a:t> </a:t>
+            </a:r>
+            <a:r>
+              <a:rPr lang="el-GR" sz="2000" dirty="0"/>
+              <a:t>⊢</a:t>
+            </a:r>
+            <a:r>
+              <a:rPr lang="en-US" sz="2000" dirty="0"/>
+              <a:t> (y : bool = x)                 : (y : bool)</a:t>
+            </a:r>
+          </a:p>
+          <a:p>
+            <a:r>
+              <a:rPr lang="en-US" sz="2000" dirty="0">
+                <a:solidFill>
+                  <a:srgbClr val="000000"/>
+                </a:solidFill>
+                <a:latin typeface="Noto Serif" panose="02020600060500020200" pitchFamily="18" charset="0"/>
+              </a:rPr>
+              <a:t>(z: num)</a:t>
+            </a:r>
+            <a:r>
+              <a:rPr lang="en-US" sz="2000" b="0" i="1" dirty="0">
+                <a:solidFill>
+                  <a:srgbClr val="000000"/>
+                </a:solidFill>
+                <a:effectLst/>
+                <a:latin typeface="Noto Serif" panose="02020600060500020200" pitchFamily="18" charset="0"/>
+              </a:rPr>
+              <a:t> </a:t>
+            </a:r>
+            <a:r>
+              <a:rPr lang="el-GR" sz="2000" dirty="0"/>
+              <a:t>⊢</a:t>
+            </a:r>
+            <a:r>
+              <a:rPr lang="en-US" sz="2000" dirty="0"/>
+              <a:t> (f(</a:t>
+            </a:r>
+            <a:r>
+              <a:rPr lang="en-US" sz="2000" dirty="0" err="1"/>
+              <a:t>x:num</a:t>
+            </a:r>
+            <a:r>
+              <a:rPr lang="en-US" sz="2000" dirty="0"/>
+              <a:t>):num = </a:t>
+            </a:r>
+            <a:r>
+              <a:rPr lang="en-US" sz="2000" dirty="0" err="1"/>
+              <a:t>x+z</a:t>
+            </a:r>
+            <a:r>
+              <a:rPr lang="en-US" sz="2000" dirty="0"/>
+              <a:t>) : (f : num →num)</a:t>
+            </a:r>
+            <a:endParaRPr lang="en-US" dirty="0"/>
+          </a:p>
+          <a:p>
+            <a:endParaRPr lang="en-US" dirty="0"/>
+          </a:p>
+          <a:p>
+            <a:endParaRPr lang="en-US" dirty="0"/>
+          </a:p>
+          <a:p>
+            <a:pPr marL="285750" indent="-285750">
+              <a:buFont typeface="Arial" panose="020B0604020202020204" pitchFamily="34" charset="0"/>
+              <a:buChar char="•"/>
+            </a:pPr>
+            <a:endParaRPr lang="en-US" dirty="0"/>
           </a:p>
         </p:txBody>
       </p:sp>

--- a/LectureSlides/07Types.pptx
+++ b/LectureSlides/07Types.pptx
@@ -12810,7 +12810,7 @@
             </a:r>
             <a:r>
               <a:rPr lang="en-US" dirty="0" err="1"/>
-              <a:t>TyApp</a:t>
+              <a:t>TyCall</a:t>
             </a:r>
             <a:br>
               <a:rPr lang="en-US" dirty="0"/>
@@ -15819,12 +15819,8 @@
               <a:rPr lang="en-US" dirty="0"/>
             </a:br>
             <a:r>
-              <a:rPr lang="el-GR" dirty="0"/>
-              <a:t>Γ</a:t>
-            </a:r>
-            <a:r>
-              <a:rPr lang="en-US" dirty="0"/>
-              <a:t>,(x : t1)</a:t>
+              <a:rPr lang="en-US" dirty="0"/>
+              <a:t>(x : t1)</a:t>
             </a:r>
             <a:r>
               <a:rPr lang="el-GR" dirty="0"/>
@@ -16181,7 +16177,7 @@
             </a:r>
             <a:r>
               <a:rPr lang="en-US" dirty="0"/>
-              <a:t> x : t</a:t>
+              <a:t> e : t</a:t>
             </a:r>
           </a:p>
           <a:p>
@@ -31954,7 +31950,7 @@
             <a:pPr lvl="1"/>
             <a:r>
               <a:rPr lang="en-US" b="1" dirty="0"/>
-              <a:t>Optional: </a:t>
+              <a:t>In HW: </a:t>
             </a:r>
             <a:r>
               <a:rPr lang="en-US" dirty="0"/>
@@ -31992,7 +31988,7 @@
                 <a:effectLst/>
                 <a:latin typeface="Courier New" panose="02070309020205020404" pitchFamily="49" charset="0"/>
               </a:rPr>
-              <a:t>Decl</a:t>
+              <a:t>Defn</a:t>
             </a:r>
             <a:r>
               <a:rPr lang="en-US" b="0" i="0" dirty="0">
@@ -32003,6 +31999,18 @@
                 <a:latin typeface="Courier New" panose="02070309020205020404" pitchFamily="49" charset="0"/>
               </a:rPr>
               <a:t>) -&gt; Context</a:t>
+            </a:r>
+          </a:p>
+          <a:p>
+            <a:pPr lvl="2"/>
+            <a:r>
+              <a:rPr lang="en-US" b="0" i="0" dirty="0">
+                <a:solidFill>
+                  <a:srgbClr val="000000"/>
+                </a:solidFill>
+                <a:effectLst/>
+              </a:rPr>
+              <a:t>In lecture, we fuse both functions together</a:t>
             </a:r>
           </a:p>
           <a:p>
@@ -34942,7 +34950,7 @@
                 </a:solidFill>
                 <a:latin typeface="Courier New" panose="02070309020205020404" pitchFamily="49" charset="0"/>
               </a:rPr>
-              <a:t>(C, e2)) in</a:t>
+              <a:t>(C,e2)) in</a:t>
             </a:r>
             <a:br>
               <a:rPr lang="en-US" dirty="0">
@@ -35255,7 +35263,7 @@
                 </a:solidFill>
                 <a:latin typeface="Courier New" panose="02070309020205020404" pitchFamily="49" charset="0"/>
               </a:rPr>
-              <a:t>  let C1 = (C,x:t1)</a:t>
+              <a:t>  let C1 = (x:t1)</a:t>
             </a:r>
             <a:br>
               <a:rPr lang="en-US" dirty="0">
@@ -35307,7 +35315,7 @@
                 </a:solidFill>
                 <a:latin typeface="Courier New" panose="02070309020205020404" pitchFamily="49" charset="0"/>
               </a:rPr>
-              <a:t>(C1, e1) = t1 -&gt; t2 {</a:t>
+              <a:t>(C1, e1) = t2 {</a:t>
             </a:r>
             <a:br>
               <a:rPr lang="en-US" dirty="0">

--- a/LectureSlides/07Types.pptx
+++ b/LectureSlides/07Types.pptx
@@ -267,7 +267,7 @@
           <a:p>
             <a:fld id="{EE70C295-4F4E-4F17-B79C-A6E846A3C032}" type="datetimeFigureOut">
               <a:rPr lang="en-US" smtClean="0"/>
-              <a:t>9/15/2023</a:t>
+              <a:t>10/2/2023</a:t>
             </a:fld>
             <a:endParaRPr lang="en-US"/>
           </a:p>
@@ -845,7 +845,7 @@
           <a:p>
             <a:fld id="{6A294981-DA21-4258-9E25-29AFCBA2ECE8}" type="datetime1">
               <a:rPr lang="en-US" smtClean="0"/>
-              <a:t>9/15/2023</a:t>
+              <a:t>10/2/2023</a:t>
             </a:fld>
             <a:endParaRPr lang="en-US"/>
           </a:p>
@@ -1053,7 +1053,7 @@
           <a:p>
             <a:fld id="{68F2F7C0-AF1B-47E7-A148-622252BCB03F}" type="datetime1">
               <a:rPr lang="en-US" smtClean="0"/>
-              <a:t>9/15/2023</a:t>
+              <a:t>10/2/2023</a:t>
             </a:fld>
             <a:endParaRPr lang="en-US"/>
           </a:p>
@@ -1309,7 +1309,7 @@
           <a:p>
             <a:fld id="{AD8F81FB-4C1B-4061-8573-098BFA359ECF}" type="datetime1">
               <a:rPr lang="en-US" smtClean="0"/>
-              <a:t>9/15/2023</a:t>
+              <a:t>10/2/2023</a:t>
             </a:fld>
             <a:endParaRPr lang="en-US"/>
           </a:p>
@@ -1494,7 +1494,7 @@
           <a:p>
             <a:fld id="{89C52E18-FD18-447C-B4DF-636843A33BCD}" type="datetime1">
               <a:rPr lang="en-US" smtClean="0"/>
-              <a:t>9/15/2023</a:t>
+              <a:t>10/2/2023</a:t>
             </a:fld>
             <a:endParaRPr lang="en-US"/>
           </a:p>
@@ -1837,7 +1837,7 @@
           <a:p>
             <a:fld id="{02238375-B8FA-453A-ADE8-FF1533E07FA0}" type="datetime1">
               <a:rPr lang="en-US" smtClean="0"/>
-              <a:t>9/15/2023</a:t>
+              <a:t>10/2/2023</a:t>
             </a:fld>
             <a:endParaRPr lang="en-US"/>
           </a:p>
@@ -2142,7 +2142,7 @@
           <a:p>
             <a:fld id="{241243A2-6634-42B5-8EF5-1376E415A0A1}" type="datetime1">
               <a:rPr lang="en-US" smtClean="0"/>
-              <a:t>9/15/2023</a:t>
+              <a:t>10/2/2023</a:t>
             </a:fld>
             <a:endParaRPr lang="en-US"/>
           </a:p>
@@ -2551,7 +2551,7 @@
           <a:p>
             <a:fld id="{0AF9FE25-8F38-4FC4-A6C5-D9B9462B4E9D}" type="datetime1">
               <a:rPr lang="en-US" smtClean="0"/>
-              <a:t>9/15/2023</a:t>
+              <a:t>10/2/2023</a:t>
             </a:fld>
             <a:endParaRPr lang="en-US"/>
           </a:p>
@@ -2669,7 +2669,7 @@
           <a:p>
             <a:fld id="{3AA1C01B-D4D6-4531-A34C-4D146F969731}" type="datetime1">
               <a:rPr lang="en-US" smtClean="0"/>
-              <a:t>9/15/2023</a:t>
+              <a:t>10/2/2023</a:t>
             </a:fld>
             <a:endParaRPr lang="en-US"/>
           </a:p>
@@ -2840,7 +2840,7 @@
           <a:p>
             <a:fld id="{6514EFC7-7699-4F01-BDAC-9FC8216DB306}" type="datetime1">
               <a:rPr lang="en-US" smtClean="0"/>
-              <a:t>9/15/2023</a:t>
+              <a:t>10/2/2023</a:t>
             </a:fld>
             <a:endParaRPr lang="en-US"/>
           </a:p>
@@ -3209,7 +3209,7 @@
           <a:p>
             <a:fld id="{884C2AB6-5F63-4B85-AC77-92075E192BD8}" type="datetime1">
               <a:rPr lang="en-US" smtClean="0"/>
-              <a:t>9/15/2023</a:t>
+              <a:t>10/2/2023</a:t>
             </a:fld>
             <a:endParaRPr lang="en-US"/>
           </a:p>
@@ -3586,7 +3586,7 @@
           <a:p>
             <a:fld id="{73713035-831F-4C93-84EC-04B78170B91B}" type="datetime1">
               <a:rPr lang="en-US" smtClean="0"/>
-              <a:t>9/15/2023</a:t>
+              <a:t>10/2/2023</a:t>
             </a:fld>
             <a:endParaRPr lang="en-US"/>
           </a:p>
@@ -3873,7 +3873,7 @@
           <a:p>
             <a:fld id="{014CEB06-3B53-45C6-AE79-33D91B432143}" type="datetime1">
               <a:rPr lang="en-US" smtClean="0"/>
-              <a:t>9/15/2023</a:t>
+              <a:t>10/2/2023</a:t>
             </a:fld>
             <a:endParaRPr lang="en-US"/>
           </a:p>

--- a/LectureSlides/07Types.pptx
+++ b/LectureSlides/07Types.pptx
@@ -267,7 +267,7 @@
           <a:p>
             <a:fld id="{EE70C295-4F4E-4F17-B79C-A6E846A3C032}" type="datetimeFigureOut">
               <a:rPr lang="en-US" smtClean="0"/>
-              <a:t>10/2/2023</a:t>
+              <a:t>10/4/2023</a:t>
             </a:fld>
             <a:endParaRPr lang="en-US"/>
           </a:p>
@@ -845,7 +845,7 @@
           <a:p>
             <a:fld id="{6A294981-DA21-4258-9E25-29AFCBA2ECE8}" type="datetime1">
               <a:rPr lang="en-US" smtClean="0"/>
-              <a:t>10/2/2023</a:t>
+              <a:t>10/4/2023</a:t>
             </a:fld>
             <a:endParaRPr lang="en-US"/>
           </a:p>
@@ -1053,7 +1053,7 @@
           <a:p>
             <a:fld id="{68F2F7C0-AF1B-47E7-A148-622252BCB03F}" type="datetime1">
               <a:rPr lang="en-US" smtClean="0"/>
-              <a:t>10/2/2023</a:t>
+              <a:t>10/4/2023</a:t>
             </a:fld>
             <a:endParaRPr lang="en-US"/>
           </a:p>
@@ -1309,7 +1309,7 @@
           <a:p>
             <a:fld id="{AD8F81FB-4C1B-4061-8573-098BFA359ECF}" type="datetime1">
               <a:rPr lang="en-US" smtClean="0"/>
-              <a:t>10/2/2023</a:t>
+              <a:t>10/4/2023</a:t>
             </a:fld>
             <a:endParaRPr lang="en-US"/>
           </a:p>
@@ -1494,7 +1494,7 @@
           <a:p>
             <a:fld id="{89C52E18-FD18-447C-B4DF-636843A33BCD}" type="datetime1">
               <a:rPr lang="en-US" smtClean="0"/>
-              <a:t>10/2/2023</a:t>
+              <a:t>10/4/2023</a:t>
             </a:fld>
             <a:endParaRPr lang="en-US"/>
           </a:p>
@@ -1837,7 +1837,7 @@
           <a:p>
             <a:fld id="{02238375-B8FA-453A-ADE8-FF1533E07FA0}" type="datetime1">
               <a:rPr lang="en-US" smtClean="0"/>
-              <a:t>10/2/2023</a:t>
+              <a:t>10/4/2023</a:t>
             </a:fld>
             <a:endParaRPr lang="en-US"/>
           </a:p>
@@ -2142,7 +2142,7 @@
           <a:p>
             <a:fld id="{241243A2-6634-42B5-8EF5-1376E415A0A1}" type="datetime1">
               <a:rPr lang="en-US" smtClean="0"/>
-              <a:t>10/2/2023</a:t>
+              <a:t>10/4/2023</a:t>
             </a:fld>
             <a:endParaRPr lang="en-US"/>
           </a:p>
@@ -2551,7 +2551,7 @@
           <a:p>
             <a:fld id="{0AF9FE25-8F38-4FC4-A6C5-D9B9462B4E9D}" type="datetime1">
               <a:rPr lang="en-US" smtClean="0"/>
-              <a:t>10/2/2023</a:t>
+              <a:t>10/4/2023</a:t>
             </a:fld>
             <a:endParaRPr lang="en-US"/>
           </a:p>
@@ -2669,7 +2669,7 @@
           <a:p>
             <a:fld id="{3AA1C01B-D4D6-4531-A34C-4D146F969731}" type="datetime1">
               <a:rPr lang="en-US" smtClean="0"/>
-              <a:t>10/2/2023</a:t>
+              <a:t>10/4/2023</a:t>
             </a:fld>
             <a:endParaRPr lang="en-US"/>
           </a:p>
@@ -2840,7 +2840,7 @@
           <a:p>
             <a:fld id="{6514EFC7-7699-4F01-BDAC-9FC8216DB306}" type="datetime1">
               <a:rPr lang="en-US" smtClean="0"/>
-              <a:t>10/2/2023</a:t>
+              <a:t>10/4/2023</a:t>
             </a:fld>
             <a:endParaRPr lang="en-US"/>
           </a:p>
@@ -3209,7 +3209,7 @@
           <a:p>
             <a:fld id="{884C2AB6-5F63-4B85-AC77-92075E192BD8}" type="datetime1">
               <a:rPr lang="en-US" smtClean="0"/>
-              <a:t>10/2/2023</a:t>
+              <a:t>10/4/2023</a:t>
             </a:fld>
             <a:endParaRPr lang="en-US"/>
           </a:p>
@@ -3586,7 +3586,7 @@
           <a:p>
             <a:fld id="{73713035-831F-4C93-84EC-04B78170B91B}" type="datetime1">
               <a:rPr lang="en-US" smtClean="0"/>
-              <a:t>10/2/2023</a:t>
+              <a:t>10/4/2023</a:t>
             </a:fld>
             <a:endParaRPr lang="en-US"/>
           </a:p>
@@ -3873,7 +3873,7 @@
           <a:p>
             <a:fld id="{014CEB06-3B53-45C6-AE79-33D91B432143}" type="datetime1">
               <a:rPr lang="en-US" smtClean="0"/>
-              <a:t>10/2/2023</a:t>
+              <a:t>10/4/2023</a:t>
             </a:fld>
             <a:endParaRPr lang="en-US"/>
           </a:p>
@@ -35439,7 +35439,7 @@
             </a:br>
             <a:r>
               <a:rPr lang="en-US" sz="2000" dirty="0"/>
-              <a:t>Does not allow recursion. How will you change this on HW2?</a:t>
+              <a:t>Does not allow recursion. How will you change this on HW4?</a:t>
             </a:r>
           </a:p>
         </p:txBody>

--- a/LectureSlides/07Types.pptx
+++ b/LectureSlides/07Types.pptx
@@ -267,7 +267,7 @@
           <a:p>
             <a:fld id="{EE70C295-4F4E-4F17-B79C-A6E846A3C032}" type="datetimeFigureOut">
               <a:rPr lang="en-US" smtClean="0"/>
-              <a:t>10/4/2023</a:t>
+              <a:t>10/14/2024</a:t>
             </a:fld>
             <a:endParaRPr lang="en-US"/>
           </a:p>
@@ -845,7 +845,7 @@
           <a:p>
             <a:fld id="{6A294981-DA21-4258-9E25-29AFCBA2ECE8}" type="datetime1">
               <a:rPr lang="en-US" smtClean="0"/>
-              <a:t>10/4/2023</a:t>
+              <a:t>10/14/2024</a:t>
             </a:fld>
             <a:endParaRPr lang="en-US"/>
           </a:p>
@@ -1053,7 +1053,7 @@
           <a:p>
             <a:fld id="{68F2F7C0-AF1B-47E7-A148-622252BCB03F}" type="datetime1">
               <a:rPr lang="en-US" smtClean="0"/>
-              <a:t>10/4/2023</a:t>
+              <a:t>10/14/2024</a:t>
             </a:fld>
             <a:endParaRPr lang="en-US"/>
           </a:p>
@@ -1309,7 +1309,7 @@
           <a:p>
             <a:fld id="{AD8F81FB-4C1B-4061-8573-098BFA359ECF}" type="datetime1">
               <a:rPr lang="en-US" smtClean="0"/>
-              <a:t>10/4/2023</a:t>
+              <a:t>10/14/2024</a:t>
             </a:fld>
             <a:endParaRPr lang="en-US"/>
           </a:p>
@@ -1494,7 +1494,7 @@
           <a:p>
             <a:fld id="{89C52E18-FD18-447C-B4DF-636843A33BCD}" type="datetime1">
               <a:rPr lang="en-US" smtClean="0"/>
-              <a:t>10/4/2023</a:t>
+              <a:t>10/14/2024</a:t>
             </a:fld>
             <a:endParaRPr lang="en-US"/>
           </a:p>
@@ -1837,7 +1837,7 @@
           <a:p>
             <a:fld id="{02238375-B8FA-453A-ADE8-FF1533E07FA0}" type="datetime1">
               <a:rPr lang="en-US" smtClean="0"/>
-              <a:t>10/4/2023</a:t>
+              <a:t>10/14/2024</a:t>
             </a:fld>
             <a:endParaRPr lang="en-US"/>
           </a:p>
@@ -2142,7 +2142,7 @@
           <a:p>
             <a:fld id="{241243A2-6634-42B5-8EF5-1376E415A0A1}" type="datetime1">
               <a:rPr lang="en-US" smtClean="0"/>
-              <a:t>10/4/2023</a:t>
+              <a:t>10/14/2024</a:t>
             </a:fld>
             <a:endParaRPr lang="en-US"/>
           </a:p>
@@ -2551,7 +2551,7 @@
           <a:p>
             <a:fld id="{0AF9FE25-8F38-4FC4-A6C5-D9B9462B4E9D}" type="datetime1">
               <a:rPr lang="en-US" smtClean="0"/>
-              <a:t>10/4/2023</a:t>
+              <a:t>10/14/2024</a:t>
             </a:fld>
             <a:endParaRPr lang="en-US"/>
           </a:p>
@@ -2669,7 +2669,7 @@
           <a:p>
             <a:fld id="{3AA1C01B-D4D6-4531-A34C-4D146F969731}" type="datetime1">
               <a:rPr lang="en-US" smtClean="0"/>
-              <a:t>10/4/2023</a:t>
+              <a:t>10/14/2024</a:t>
             </a:fld>
             <a:endParaRPr lang="en-US"/>
           </a:p>
@@ -2840,7 +2840,7 @@
           <a:p>
             <a:fld id="{6514EFC7-7699-4F01-BDAC-9FC8216DB306}" type="datetime1">
               <a:rPr lang="en-US" smtClean="0"/>
-              <a:t>10/4/2023</a:t>
+              <a:t>10/14/2024</a:t>
             </a:fld>
             <a:endParaRPr lang="en-US"/>
           </a:p>
@@ -3209,7 +3209,7 @@
           <a:p>
             <a:fld id="{884C2AB6-5F63-4B85-AC77-92075E192BD8}" type="datetime1">
               <a:rPr lang="en-US" smtClean="0"/>
-              <a:t>10/4/2023</a:t>
+              <a:t>10/14/2024</a:t>
             </a:fld>
             <a:endParaRPr lang="en-US"/>
           </a:p>
@@ -3586,7 +3586,7 @@
           <a:p>
             <a:fld id="{73713035-831F-4C93-84EC-04B78170B91B}" type="datetime1">
               <a:rPr lang="en-US" smtClean="0"/>
-              <a:t>10/4/2023</a:t>
+              <a:t>10/14/2024</a:t>
             </a:fld>
             <a:endParaRPr lang="en-US"/>
           </a:p>
@@ -3873,7 +3873,7 @@
           <a:p>
             <a:fld id="{014CEB06-3B53-45C6-AE79-33D91B432143}" type="datetime1">
               <a:rPr lang="en-US" smtClean="0"/>
-              <a:t>10/4/2023</a:t>
+              <a:t>10/14/2024</a:t>
             </a:fld>
             <a:endParaRPr lang="en-US"/>
           </a:p>
@@ -4449,15 +4449,23 @@
           <a:p>
             <a:r>
               <a:rPr lang="en-US" dirty="0"/>
-              <a:t>Slides  ©2023 Rose </a:t>
+              <a:t>Slides  </a:t>
+            </a:r>
+            <a:r>
+              <a:rPr lang="en-US"/>
+              <a:t>©2024 </a:t>
+            </a:r>
+            <a:r>
+              <a:rPr lang="en-US" dirty="0"/>
+              <a:t>Rose </a:t>
             </a:r>
             <a:r>
               <a:rPr lang="en-US" dirty="0" err="1"/>
-              <a:t>bohrer</a:t>
-            </a:r>
-            <a:r>
-              <a:rPr lang="en-US" dirty="0"/>
-              <a:t>, used for cs 4536/536 at </a:t>
+              <a:t>bohrer,</a:t>
+            </a:r>
+            <a:r>
+              <a:rPr lang="en-US" dirty="0"/>
+              <a:t> used for cs 4536/536 at </a:t>
             </a:r>
             <a:r>
               <a:rPr lang="en-US" dirty="0" err="1"/>

--- a/LectureSlides/07Types.pptx
+++ b/LectureSlides/07Types.pptx
@@ -267,7 +267,7 @@
           <a:p>
             <a:fld id="{EE70C295-4F4E-4F17-B79C-A6E846A3C032}" type="datetimeFigureOut">
               <a:rPr lang="en-US" smtClean="0"/>
-              <a:t>10/14/2024</a:t>
+              <a:t>11/14/2024</a:t>
             </a:fld>
             <a:endParaRPr lang="en-US"/>
           </a:p>
@@ -845,7 +845,7 @@
           <a:p>
             <a:fld id="{6A294981-DA21-4258-9E25-29AFCBA2ECE8}" type="datetime1">
               <a:rPr lang="en-US" smtClean="0"/>
-              <a:t>10/14/2024</a:t>
+              <a:t>11/14/2024</a:t>
             </a:fld>
             <a:endParaRPr lang="en-US"/>
           </a:p>
@@ -1053,7 +1053,7 @@
           <a:p>
             <a:fld id="{68F2F7C0-AF1B-47E7-A148-622252BCB03F}" type="datetime1">
               <a:rPr lang="en-US" smtClean="0"/>
-              <a:t>10/14/2024</a:t>
+              <a:t>11/14/2024</a:t>
             </a:fld>
             <a:endParaRPr lang="en-US"/>
           </a:p>
@@ -1309,7 +1309,7 @@
           <a:p>
             <a:fld id="{AD8F81FB-4C1B-4061-8573-098BFA359ECF}" type="datetime1">
               <a:rPr lang="en-US" smtClean="0"/>
-              <a:t>10/14/2024</a:t>
+              <a:t>11/14/2024</a:t>
             </a:fld>
             <a:endParaRPr lang="en-US"/>
           </a:p>
@@ -1494,7 +1494,7 @@
           <a:p>
             <a:fld id="{89C52E18-FD18-447C-B4DF-636843A33BCD}" type="datetime1">
               <a:rPr lang="en-US" smtClean="0"/>
-              <a:t>10/14/2024</a:t>
+              <a:t>11/14/2024</a:t>
             </a:fld>
             <a:endParaRPr lang="en-US"/>
           </a:p>
@@ -1837,7 +1837,7 @@
           <a:p>
             <a:fld id="{02238375-B8FA-453A-ADE8-FF1533E07FA0}" type="datetime1">
               <a:rPr lang="en-US" smtClean="0"/>
-              <a:t>10/14/2024</a:t>
+              <a:t>11/14/2024</a:t>
             </a:fld>
             <a:endParaRPr lang="en-US"/>
           </a:p>
@@ -2142,7 +2142,7 @@
           <a:p>
             <a:fld id="{241243A2-6634-42B5-8EF5-1376E415A0A1}" type="datetime1">
               <a:rPr lang="en-US" smtClean="0"/>
-              <a:t>10/14/2024</a:t>
+              <a:t>11/14/2024</a:t>
             </a:fld>
             <a:endParaRPr lang="en-US"/>
           </a:p>
@@ -2551,7 +2551,7 @@
           <a:p>
             <a:fld id="{0AF9FE25-8F38-4FC4-A6C5-D9B9462B4E9D}" type="datetime1">
               <a:rPr lang="en-US" smtClean="0"/>
-              <a:t>10/14/2024</a:t>
+              <a:t>11/14/2024</a:t>
             </a:fld>
             <a:endParaRPr lang="en-US"/>
           </a:p>
@@ -2669,7 +2669,7 @@
           <a:p>
             <a:fld id="{3AA1C01B-D4D6-4531-A34C-4D146F969731}" type="datetime1">
               <a:rPr lang="en-US" smtClean="0"/>
-              <a:t>10/14/2024</a:t>
+              <a:t>11/14/2024</a:t>
             </a:fld>
             <a:endParaRPr lang="en-US"/>
           </a:p>
@@ -2840,7 +2840,7 @@
           <a:p>
             <a:fld id="{6514EFC7-7699-4F01-BDAC-9FC8216DB306}" type="datetime1">
               <a:rPr lang="en-US" smtClean="0"/>
-              <a:t>10/14/2024</a:t>
+              <a:t>11/14/2024</a:t>
             </a:fld>
             <a:endParaRPr lang="en-US"/>
           </a:p>
@@ -3209,7 +3209,7 @@
           <a:p>
             <a:fld id="{884C2AB6-5F63-4B85-AC77-92075E192BD8}" type="datetime1">
               <a:rPr lang="en-US" smtClean="0"/>
-              <a:t>10/14/2024</a:t>
+              <a:t>11/14/2024</a:t>
             </a:fld>
             <a:endParaRPr lang="en-US"/>
           </a:p>
@@ -3586,7 +3586,7 @@
           <a:p>
             <a:fld id="{73713035-831F-4C93-84EC-04B78170B91B}" type="datetime1">
               <a:rPr lang="en-US" smtClean="0"/>
-              <a:t>10/14/2024</a:t>
+              <a:t>11/14/2024</a:t>
             </a:fld>
             <a:endParaRPr lang="en-US"/>
           </a:p>
@@ -3873,7 +3873,7 @@
           <a:p>
             <a:fld id="{014CEB06-3B53-45C6-AE79-33D91B432143}" type="datetime1">
               <a:rPr lang="en-US" smtClean="0"/>
-              <a:t>10/14/2024</a:t>
+              <a:t>11/14/2024</a:t>
             </a:fld>
             <a:endParaRPr lang="en-US"/>
           </a:p>
@@ -13362,7 +13362,7 @@
         </p:nvSpPr>
         <p:spPr>
           <a:xfrm>
-            <a:off x="2366069" y="3949178"/>
+            <a:off x="2366069" y="3919034"/>
             <a:ext cx="5712805" cy="2554545"/>
           </a:xfrm>
           <a:prstGeom prst="rect">
@@ -13446,11 +13446,17 @@
                   <a:srgbClr val="000000"/>
                 </a:solidFill>
                 <a:latin typeface="Noto Serif" panose="02020600060500020200" pitchFamily="18" charset="0"/>
+                <a:ea typeface="Noto Serif" panose="02020600060500020200" pitchFamily="18" charset="0"/>
+                <a:cs typeface="Noto Serif" panose="02020600060500020200" pitchFamily="18" charset="0"/>
               </a:rPr>
               <a:t>(g: bool </a:t>
             </a:r>
             <a:r>
-              <a:rPr lang="en-US" sz="2000" dirty="0"/>
+              <a:rPr lang="en-US" sz="2000" dirty="0">
+                <a:latin typeface="Noto Serif" panose="02020600060500020200" pitchFamily="18" charset="0"/>
+                <a:ea typeface="Noto Serif" panose="02020600060500020200" pitchFamily="18" charset="0"/>
+                <a:cs typeface="Noto Serif" panose="02020600060500020200" pitchFamily="18" charset="0"/>
+              </a:rPr>
               <a:t>→ num</a:t>
             </a:r>
             <a:r>
@@ -13459,6 +13465,8 @@
                   <a:srgbClr val="000000"/>
                 </a:solidFill>
                 <a:latin typeface="Noto Serif" panose="02020600060500020200" pitchFamily="18" charset="0"/>
+                <a:ea typeface="Noto Serif" panose="02020600060500020200" pitchFamily="18" charset="0"/>
+                <a:cs typeface="Noto Serif" panose="02020600060500020200" pitchFamily="18" charset="0"/>
               </a:rPr>
               <a:t>)</a:t>
             </a:r>
@@ -13469,8 +13477,20 @@
                 </a:solidFill>
                 <a:effectLst/>
                 <a:latin typeface="Noto Serif" panose="02020600060500020200" pitchFamily="18" charset="0"/>
-              </a:rPr>
-              <a:t>                   </a:t>
+                <a:ea typeface="Noto Serif" panose="02020600060500020200" pitchFamily="18" charset="0"/>
+                <a:cs typeface="Noto Serif" panose="02020600060500020200" pitchFamily="18" charset="0"/>
+              </a:rPr>
+              <a:t>      </a:t>
+            </a:r>
+            <a:r>
+              <a:rPr lang="en-US" sz="2000" b="0" i="1" dirty="0">
+                <a:solidFill>
+                  <a:srgbClr val="000000"/>
+                </a:solidFill>
+                <a:effectLst/>
+                <a:latin typeface="Noto Serif" panose="02020600060500020200" pitchFamily="18" charset="0"/>
+              </a:rPr>
+              <a:t>           </a:t>
             </a:r>
             <a:r>
               <a:rPr lang="el-GR" sz="2000" dirty="0"/>
